--- a/presentationGit.pptx
+++ b/presentationGit.pptx
@@ -6376,11 +6376,7 @@
             </a:r>
             <a:r>
               <a:rPr lang="fr-FR" sz="3600" dirty="0"/>
-              <a:t>est la commande de Git qui permet de se positionner sur un ancien commit </a:t>
-            </a:r>
-            <a:r>
-              <a:rPr lang="fr-FR" sz="3600" dirty="0"/>
-              <a:t>?</a:t>
+              <a:t>est la commande de Git qui permet de se positionner sur un ancien commit ?</a:t>
             </a:r>
           </a:p>
           <a:p>
@@ -7026,7 +7022,6 @@
               <a:rPr lang="fr-FR" sz="3600" dirty="0"/>
               <a:t>7)</a:t>
             </a:r>
-            <a:endParaRPr lang="fr-FR" sz="3600" dirty="0"/>
           </a:p>
         </p:txBody>
       </p:sp>
@@ -7254,7 +7249,7 @@
         </p:nvSpPr>
         <p:spPr>
           <a:xfrm>
-            <a:off x="680259" y="1429789"/>
+            <a:off x="562564" y="1484110"/>
             <a:ext cx="10515600" cy="4688985"/>
           </a:xfrm>
         </p:spPr>
@@ -7264,9 +7259,6 @@
           </a:bodyPr>
           <a:lstStyle/>
           <a:p>
-            <a:pPr marL="0" indent="0">
-              <a:buNone/>
-            </a:pPr>
             <a:r>
               <a:rPr lang="fr-FR" b="1" dirty="0" smtClean="0"/>
               <a:t>Git</a:t>
@@ -7303,6 +7295,9 @@
             </a:r>
           </a:p>
           <a:p>
+            <a:pPr marL="0" indent="0">
+              <a:buNone/>
+            </a:pPr>
             <a:r>
               <a:rPr lang="fr-FR" dirty="0"/>
               <a:t>Pourquoi </a:t>
